--- a/presentations/chapter-0/Practical Web Dev.pptx
+++ b/presentations/chapter-0/Practical Web Dev.pptx
@@ -264,7 +264,7 @@
           <a:p>
             <a:fld id="{B53C1D94-E0DD-4250-8C1B-3D8C3DA9B2B6}" type="datetimeFigureOut">
               <a:rPr lang="he-IL" smtClean="0"/>
-              <a:t>כ"ח/אייר/תשע"ט</a:t>
+              <a:t>י"ט/תמוז/תשע"ט</a:t>
             </a:fld>
             <a:endParaRPr lang="he-IL"/>
           </a:p>
@@ -9787,7 +9787,7 @@
           <a:p>
             <a:fld id="{F472E424-CC75-4448-A1B5-6FCA6BFEE599}" type="datetimeFigureOut">
               <a:rPr lang="he-IL" smtClean="0"/>
-              <a:t>כ"ח/אייר/תשע"ט</a:t>
+              <a:t>י"ט/תמוז/תשע"ט</a:t>
             </a:fld>
             <a:endParaRPr lang="he-IL"/>
           </a:p>
@@ -9955,7 +9955,7 @@
           <a:p>
             <a:fld id="{F472E424-CC75-4448-A1B5-6FCA6BFEE599}" type="datetimeFigureOut">
               <a:rPr lang="he-IL" smtClean="0"/>
-              <a:t>כ"ח/אייר/תשע"ט</a:t>
+              <a:t>י"ט/תמוז/תשע"ט</a:t>
             </a:fld>
             <a:endParaRPr lang="he-IL"/>
           </a:p>
@@ -10133,7 +10133,7 @@
           <a:p>
             <a:fld id="{F472E424-CC75-4448-A1B5-6FCA6BFEE599}" type="datetimeFigureOut">
               <a:rPr lang="he-IL" smtClean="0"/>
-              <a:t>כ"ח/אייר/תשע"ט</a:t>
+              <a:t>י"ט/תמוז/תשע"ט</a:t>
             </a:fld>
             <a:endParaRPr lang="he-IL"/>
           </a:p>
@@ -10517,7 +10517,7 @@
           <a:p>
             <a:fld id="{F472E424-CC75-4448-A1B5-6FCA6BFEE599}" type="datetimeFigureOut">
               <a:rPr lang="he-IL" smtClean="0"/>
-              <a:t>כ"ח/אייר/תשע"ט</a:t>
+              <a:t>י"ט/תמוז/תשע"ט</a:t>
             </a:fld>
             <a:endParaRPr lang="he-IL"/>
           </a:p>
@@ -10762,7 +10762,7 @@
           <a:p>
             <a:fld id="{F472E424-CC75-4448-A1B5-6FCA6BFEE599}" type="datetimeFigureOut">
               <a:rPr lang="he-IL" smtClean="0"/>
-              <a:t>כ"ח/אייר/תשע"ט</a:t>
+              <a:t>י"ט/תמוז/תשע"ט</a:t>
             </a:fld>
             <a:endParaRPr lang="he-IL"/>
           </a:p>
@@ -10991,7 +10991,7 @@
           <a:p>
             <a:fld id="{F472E424-CC75-4448-A1B5-6FCA6BFEE599}" type="datetimeFigureOut">
               <a:rPr lang="he-IL" smtClean="0"/>
-              <a:t>כ"ח/אייר/תשע"ט</a:t>
+              <a:t>י"ט/תמוז/תשע"ט</a:t>
             </a:fld>
             <a:endParaRPr lang="he-IL"/>
           </a:p>
@@ -11355,7 +11355,7 @@
           <a:p>
             <a:fld id="{F472E424-CC75-4448-A1B5-6FCA6BFEE599}" type="datetimeFigureOut">
               <a:rPr lang="he-IL" smtClean="0"/>
-              <a:t>כ"ח/אייר/תשע"ט</a:t>
+              <a:t>י"ט/תמוז/תשע"ט</a:t>
             </a:fld>
             <a:endParaRPr lang="he-IL"/>
           </a:p>
@@ -11472,7 +11472,7 @@
           <a:p>
             <a:fld id="{F472E424-CC75-4448-A1B5-6FCA6BFEE599}" type="datetimeFigureOut">
               <a:rPr lang="he-IL" smtClean="0"/>
-              <a:t>כ"ח/אייר/תשע"ט</a:t>
+              <a:t>י"ט/תמוז/תשע"ט</a:t>
             </a:fld>
             <a:endParaRPr lang="he-IL"/>
           </a:p>
@@ -11567,7 +11567,7 @@
           <a:p>
             <a:fld id="{F472E424-CC75-4448-A1B5-6FCA6BFEE599}" type="datetimeFigureOut">
               <a:rPr lang="he-IL" smtClean="0"/>
-              <a:t>כ"ח/אייר/תשע"ט</a:t>
+              <a:t>י"ט/תמוז/תשע"ט</a:t>
             </a:fld>
             <a:endParaRPr lang="he-IL"/>
           </a:p>
@@ -11842,7 +11842,7 @@
           <a:p>
             <a:fld id="{F472E424-CC75-4448-A1B5-6FCA6BFEE599}" type="datetimeFigureOut">
               <a:rPr lang="he-IL" smtClean="0"/>
-              <a:t>כ"ח/אייר/תשע"ט</a:t>
+              <a:t>י"ט/תמוז/תשע"ט</a:t>
             </a:fld>
             <a:endParaRPr lang="he-IL"/>
           </a:p>
@@ -12094,7 +12094,7 @@
           <a:p>
             <a:fld id="{F472E424-CC75-4448-A1B5-6FCA6BFEE599}" type="datetimeFigureOut">
               <a:rPr lang="he-IL" smtClean="0"/>
-              <a:t>כ"ח/אייר/תשע"ט</a:t>
+              <a:t>י"ט/תמוז/תשע"ט</a:t>
             </a:fld>
             <a:endParaRPr lang="he-IL"/>
           </a:p>
@@ -12305,7 +12305,7 @@
           <a:p>
             <a:fld id="{F472E424-CC75-4448-A1B5-6FCA6BFEE599}" type="datetimeFigureOut">
               <a:rPr lang="he-IL" smtClean="0"/>
-              <a:t>כ"ח/אייר/תשע"ט</a:t>
+              <a:t>י"ט/תמוז/תשע"ט</a:t>
             </a:fld>
             <a:endParaRPr lang="he-IL"/>
           </a:p>
@@ -14850,7 +14850,7 @@
                   <a:schemeClr val="bg1"/>
                 </a:solidFill>
               </a:rPr>
-              <a:t>Hand zone</a:t>
+              <a:t>Hands-on</a:t>
             </a:r>
             <a:endParaRPr lang="en-US" altLang="en-US" sz="6000" b="1" dirty="0">
               <a:solidFill>

--- a/presentations/chapter-0/Practical Web Dev.pptx
+++ b/presentations/chapter-0/Practical Web Dev.pptx
@@ -264,7 +264,7 @@
           <a:p>
             <a:fld id="{B53C1D94-E0DD-4250-8C1B-3D8C3DA9B2B6}" type="datetimeFigureOut">
               <a:rPr lang="he-IL" smtClean="0"/>
-              <a:t>י"ט/תמוז/תשע"ט</a:t>
+              <a:t>ד'/אלול/תשע"ט</a:t>
             </a:fld>
             <a:endParaRPr lang="he-IL"/>
           </a:p>
@@ -971,7 +971,53 @@
                 <a:ea typeface="+mn-ea"/>
                 <a:cs typeface="+mn-cs"/>
               </a:rPr>
-              <a:t> for JavaScript (Strong-typing — TypeScript is strongly-typed [string, Boolean etc.] or supports static typing. You will not find this in JavaScript, which is a loosely-typed language [you don’t need to declare the type of object] . TypeScript also supports type inference using TLS [TypeScript Language Service].).</a:t>
+              <a:t> for JavaScript (Strong-typing — TypeScript is strongly-typed [string, Boolean etc.] or supports static typing.</a:t>
+            </a:r>
+            <a:br>
+              <a:rPr lang="en-US" sz="1200" b="0" i="0" kern="1200" dirty="0">
+                <a:solidFill>
+                  <a:schemeClr val="tx1"/>
+                </a:solidFill>
+                <a:effectLst/>
+                <a:latin typeface="+mn-lt"/>
+                <a:ea typeface="+mn-ea"/>
+                <a:cs typeface="+mn-cs"/>
+              </a:rPr>
+            </a:br>
+            <a:r>
+              <a:rPr lang="en-US" sz="1200" b="0" i="0" kern="1200" dirty="0">
+                <a:solidFill>
+                  <a:schemeClr val="tx1"/>
+                </a:solidFill>
+                <a:effectLst/>
+                <a:latin typeface="+mn-lt"/>
+                <a:ea typeface="+mn-ea"/>
+                <a:cs typeface="+mn-cs"/>
+              </a:rPr>
+              <a:t>You will not find this in JavaScript, which is a loosely-typed language [you don’t need to declare the type of object] .</a:t>
+            </a:r>
+            <a:br>
+              <a:rPr lang="en-US" sz="1200" b="0" i="0" kern="1200" dirty="0">
+                <a:solidFill>
+                  <a:schemeClr val="tx1"/>
+                </a:solidFill>
+                <a:effectLst/>
+                <a:latin typeface="+mn-lt"/>
+                <a:ea typeface="+mn-ea"/>
+                <a:cs typeface="+mn-cs"/>
+              </a:rPr>
+            </a:br>
+            <a:r>
+              <a:rPr lang="en-US" sz="1200" b="0" i="0" kern="1200" dirty="0">
+                <a:solidFill>
+                  <a:schemeClr val="tx1"/>
+                </a:solidFill>
+                <a:effectLst/>
+                <a:latin typeface="+mn-lt"/>
+                <a:ea typeface="+mn-ea"/>
+                <a:cs typeface="+mn-cs"/>
+              </a:rPr>
+              <a:t>TypeScript also supports type inference using TLS [TypeScript Language Service].).</a:t>
             </a:r>
           </a:p>
           <a:p>
@@ -3366,7 +3412,22 @@
                 <a:ea typeface="+mn-ea"/>
                 <a:cs typeface="+mn-cs"/>
               </a:rPr>
-              <a:t>The term "evergreen" refers to the release strategy. Evergreen browsers are updated frequently (</a:t>
+              <a:t>The term "evergreen" refers to the release strategy.</a:t>
+            </a:r>
+          </a:p>
+          <a:p>
+            <a:pPr algn="l"/>
+            <a:r>
+              <a:rPr lang="en-US" sz="1200" b="0" i="0" kern="1200" dirty="0">
+                <a:solidFill>
+                  <a:schemeClr val="tx1"/>
+                </a:solidFill>
+                <a:effectLst/>
+                <a:latin typeface="+mn-lt"/>
+                <a:ea typeface="+mn-ea"/>
+                <a:cs typeface="+mn-cs"/>
+              </a:rPr>
+              <a:t>Evergreen browsers are updated frequently (</a:t>
             </a:r>
             <a:r>
               <a:rPr lang="en-US" sz="1200" b="0" i="0" u="none" strike="noStrike" kern="1200" dirty="0">
@@ -3703,17 +3764,101 @@
               </a:rPr>
               <a:t>Software Registry,</a:t>
             </a:r>
-            <a:r>
-              <a:rPr lang="en-US" sz="1200" b="0" i="0" kern="1200" dirty="0">
-                <a:solidFill>
-                  <a:schemeClr val="tx1"/>
-                </a:solidFill>
-                <a:effectLst/>
-                <a:latin typeface="+mn-lt"/>
-                <a:ea typeface="+mn-ea"/>
-                <a:cs typeface="+mn-cs"/>
-              </a:rPr>
-              <a:t> in other words package manager for node.</a:t>
+            <a:endParaRPr lang="en-US" sz="1200" b="0" i="0" kern="1200" dirty="0">
+              <a:solidFill>
+                <a:schemeClr val="tx1"/>
+              </a:solidFill>
+              <a:effectLst/>
+              <a:latin typeface="+mn-lt"/>
+              <a:ea typeface="+mn-ea"/>
+              <a:cs typeface="+mn-cs"/>
+            </a:endParaRPr>
+          </a:p>
+          <a:p>
+            <a:pPr algn="l" rtl="0"/>
+            <a:r>
+              <a:rPr lang="en-US" sz="1200" b="1" i="0" kern="1200" dirty="0" err="1">
+                <a:solidFill>
+                  <a:schemeClr val="tx1"/>
+                </a:solidFill>
+                <a:effectLst/>
+                <a:latin typeface="+mn-lt"/>
+                <a:ea typeface="+mn-ea"/>
+                <a:cs typeface="+mn-cs"/>
+              </a:rPr>
+              <a:t>npm</a:t>
+            </a:r>
+            <a:r>
+              <a:rPr lang="en-US" sz="1200" b="1" i="0" kern="1200" dirty="0">
+                <a:solidFill>
+                  <a:schemeClr val="tx1"/>
+                </a:solidFill>
+                <a:effectLst/>
+                <a:latin typeface="+mn-lt"/>
+                <a:ea typeface="+mn-ea"/>
+                <a:cs typeface="+mn-cs"/>
+              </a:rPr>
+              <a:t> </a:t>
+            </a:r>
+            <a:r>
+              <a:rPr lang="en-US" sz="1200" b="0" i="0" kern="1200" dirty="0">
+                <a:solidFill>
+                  <a:schemeClr val="tx1"/>
+                </a:solidFill>
+                <a:effectLst/>
+                <a:latin typeface="+mn-lt"/>
+                <a:ea typeface="+mn-ea"/>
+                <a:cs typeface="+mn-cs"/>
+              </a:rPr>
+              <a:t>is also a software </a:t>
+            </a:r>
+            <a:r>
+              <a:rPr lang="en-US" sz="1200" b="1" i="0" kern="1200" dirty="0">
+                <a:solidFill>
+                  <a:schemeClr val="tx1"/>
+                </a:solidFill>
+                <a:effectLst/>
+                <a:latin typeface="+mn-lt"/>
+                <a:ea typeface="+mn-ea"/>
+                <a:cs typeface="+mn-cs"/>
+              </a:rPr>
+              <a:t>Package Manager</a:t>
+            </a:r>
+            <a:r>
+              <a:rPr lang="en-US" sz="1200" b="0" i="0" kern="1200" dirty="0">
+                <a:solidFill>
+                  <a:schemeClr val="tx1"/>
+                </a:solidFill>
+                <a:effectLst/>
+                <a:latin typeface="+mn-lt"/>
+                <a:ea typeface="+mn-ea"/>
+                <a:cs typeface="+mn-cs"/>
+              </a:rPr>
+              <a:t> and </a:t>
+            </a:r>
+            <a:r>
+              <a:rPr lang="en-US" sz="1200" b="1" i="0" kern="1200" dirty="0">
+                <a:solidFill>
+                  <a:schemeClr val="tx1"/>
+                </a:solidFill>
+                <a:effectLst/>
+                <a:latin typeface="+mn-lt"/>
+                <a:ea typeface="+mn-ea"/>
+                <a:cs typeface="+mn-cs"/>
+              </a:rPr>
+              <a:t>Installer</a:t>
+            </a:r>
+            <a:r>
+              <a:rPr lang="en-US" sz="1200" b="0" i="0" kern="1200" dirty="0">
+                <a:solidFill>
+                  <a:schemeClr val="tx1"/>
+                </a:solidFill>
+                <a:effectLst/>
+                <a:latin typeface="+mn-lt"/>
+                <a:ea typeface="+mn-ea"/>
+                <a:cs typeface="+mn-cs"/>
+              </a:rPr>
+              <a:t>.</a:t>
             </a:r>
           </a:p>
           <a:p>
@@ -4566,31 +4711,7 @@
                 <a:ea typeface="+mn-ea"/>
                 <a:cs typeface="+mn-cs"/>
               </a:rPr>
-              <a:t>When we are </a:t>
-            </a:r>
-            <a:r>
-              <a:rPr lang="en-US" sz="1200" b="0" i="0" kern="1200" dirty="0" err="1">
-                <a:solidFill>
-                  <a:schemeClr val="tx1"/>
-                </a:solidFill>
-                <a:effectLst/>
-                <a:latin typeface="+mn-lt"/>
-                <a:ea typeface="+mn-ea"/>
-                <a:cs typeface="+mn-cs"/>
-              </a:rPr>
-              <a:t>runningfor</a:t>
-            </a:r>
-            <a:r>
-              <a:rPr lang="en-US" sz="1200" b="0" i="0" kern="1200" dirty="0">
-                <a:solidFill>
-                  <a:schemeClr val="tx1"/>
-                </a:solidFill>
-                <a:effectLst/>
-                <a:latin typeface="+mn-lt"/>
-                <a:ea typeface="+mn-ea"/>
-                <a:cs typeface="+mn-cs"/>
-              </a:rPr>
-              <a:t> the first time </a:t>
+              <a:t>When we are running for the first time </a:t>
             </a:r>
             <a:r>
               <a:rPr lang="en-US" sz="1200" b="1" i="0" kern="1200" dirty="0" err="1">
@@ -9787,7 +9908,7 @@
           <a:p>
             <a:fld id="{F472E424-CC75-4448-A1B5-6FCA6BFEE599}" type="datetimeFigureOut">
               <a:rPr lang="he-IL" smtClean="0"/>
-              <a:t>י"ט/תמוז/תשע"ט</a:t>
+              <a:t>ד'/אלול/תשע"ט</a:t>
             </a:fld>
             <a:endParaRPr lang="he-IL"/>
           </a:p>
@@ -9955,7 +10076,7 @@
           <a:p>
             <a:fld id="{F472E424-CC75-4448-A1B5-6FCA6BFEE599}" type="datetimeFigureOut">
               <a:rPr lang="he-IL" smtClean="0"/>
-              <a:t>י"ט/תמוז/תשע"ט</a:t>
+              <a:t>ד'/אלול/תשע"ט</a:t>
             </a:fld>
             <a:endParaRPr lang="he-IL"/>
           </a:p>
@@ -10133,7 +10254,7 @@
           <a:p>
             <a:fld id="{F472E424-CC75-4448-A1B5-6FCA6BFEE599}" type="datetimeFigureOut">
               <a:rPr lang="he-IL" smtClean="0"/>
-              <a:t>י"ט/תמוז/תשע"ט</a:t>
+              <a:t>ד'/אלול/תשע"ט</a:t>
             </a:fld>
             <a:endParaRPr lang="he-IL"/>
           </a:p>
@@ -10517,7 +10638,7 @@
           <a:p>
             <a:fld id="{F472E424-CC75-4448-A1B5-6FCA6BFEE599}" type="datetimeFigureOut">
               <a:rPr lang="he-IL" smtClean="0"/>
-              <a:t>י"ט/תמוז/תשע"ט</a:t>
+              <a:t>ד'/אלול/תשע"ט</a:t>
             </a:fld>
             <a:endParaRPr lang="he-IL"/>
           </a:p>
@@ -10762,7 +10883,7 @@
           <a:p>
             <a:fld id="{F472E424-CC75-4448-A1B5-6FCA6BFEE599}" type="datetimeFigureOut">
               <a:rPr lang="he-IL" smtClean="0"/>
-              <a:t>י"ט/תמוז/תשע"ט</a:t>
+              <a:t>ד'/אלול/תשע"ט</a:t>
             </a:fld>
             <a:endParaRPr lang="he-IL"/>
           </a:p>
@@ -10991,7 +11112,7 @@
           <a:p>
             <a:fld id="{F472E424-CC75-4448-A1B5-6FCA6BFEE599}" type="datetimeFigureOut">
               <a:rPr lang="he-IL" smtClean="0"/>
-              <a:t>י"ט/תמוז/תשע"ט</a:t>
+              <a:t>ד'/אלול/תשע"ט</a:t>
             </a:fld>
             <a:endParaRPr lang="he-IL"/>
           </a:p>
@@ -11355,7 +11476,7 @@
           <a:p>
             <a:fld id="{F472E424-CC75-4448-A1B5-6FCA6BFEE599}" type="datetimeFigureOut">
               <a:rPr lang="he-IL" smtClean="0"/>
-              <a:t>י"ט/תמוז/תשע"ט</a:t>
+              <a:t>ד'/אלול/תשע"ט</a:t>
             </a:fld>
             <a:endParaRPr lang="he-IL"/>
           </a:p>
@@ -11472,7 +11593,7 @@
           <a:p>
             <a:fld id="{F472E424-CC75-4448-A1B5-6FCA6BFEE599}" type="datetimeFigureOut">
               <a:rPr lang="he-IL" smtClean="0"/>
-              <a:t>י"ט/תמוז/תשע"ט</a:t>
+              <a:t>ד'/אלול/תשע"ט</a:t>
             </a:fld>
             <a:endParaRPr lang="he-IL"/>
           </a:p>
@@ -11567,7 +11688,7 @@
           <a:p>
             <a:fld id="{F472E424-CC75-4448-A1B5-6FCA6BFEE599}" type="datetimeFigureOut">
               <a:rPr lang="he-IL" smtClean="0"/>
-              <a:t>י"ט/תמוז/תשע"ט</a:t>
+              <a:t>ד'/אלול/תשע"ט</a:t>
             </a:fld>
             <a:endParaRPr lang="he-IL"/>
           </a:p>
@@ -11842,7 +11963,7 @@
           <a:p>
             <a:fld id="{F472E424-CC75-4448-A1B5-6FCA6BFEE599}" type="datetimeFigureOut">
               <a:rPr lang="he-IL" smtClean="0"/>
-              <a:t>י"ט/תמוז/תשע"ט</a:t>
+              <a:t>ד'/אלול/תשע"ט</a:t>
             </a:fld>
             <a:endParaRPr lang="he-IL"/>
           </a:p>
@@ -12094,7 +12215,7 @@
           <a:p>
             <a:fld id="{F472E424-CC75-4448-A1B5-6FCA6BFEE599}" type="datetimeFigureOut">
               <a:rPr lang="he-IL" smtClean="0"/>
-              <a:t>י"ט/תמוז/תשע"ט</a:t>
+              <a:t>ד'/אלול/תשע"ט</a:t>
             </a:fld>
             <a:endParaRPr lang="he-IL"/>
           </a:p>
@@ -12305,7 +12426,7 @@
           <a:p>
             <a:fld id="{F472E424-CC75-4448-A1B5-6FCA6BFEE599}" type="datetimeFigureOut">
               <a:rPr lang="he-IL" smtClean="0"/>
-              <a:t>י"ט/תמוז/תשע"ט</a:t>
+              <a:t>ד'/אלול/תשע"ט</a:t>
             </a:fld>
             <a:endParaRPr lang="he-IL"/>
           </a:p>

--- a/presentations/chapter-0/Practical Web Dev.pptx
+++ b/presentations/chapter-0/Practical Web Dev.pptx
@@ -264,7 +264,7 @@
           <a:p>
             <a:fld id="{B53C1D94-E0DD-4250-8C1B-3D8C3DA9B2B6}" type="datetimeFigureOut">
               <a:rPr lang="he-IL" smtClean="0"/>
-              <a:t>ד'/אלול/תשע"ט</a:t>
+              <a:t>ח'/אלול/תשע"ט</a:t>
             </a:fld>
             <a:endParaRPr lang="he-IL"/>
           </a:p>
@@ -839,10 +839,59 @@
           </a:p>
           <a:p>
             <a:pPr algn="l" rtl="0"/>
+            <a:r>
+              <a:rPr lang="en-US" dirty="0"/>
+              <a:t>(</a:t>
+            </a:r>
+            <a:r>
+              <a:rPr lang="en-US" sz="1200" b="0" i="0" kern="1200" dirty="0">
+                <a:solidFill>
+                  <a:schemeClr val="tx1"/>
+                </a:solidFill>
+                <a:effectLst/>
+                <a:latin typeface="+mn-lt"/>
+                <a:ea typeface="+mn-ea"/>
+                <a:cs typeface="+mn-cs"/>
+              </a:rPr>
+              <a:t>TypeScript is a language extension that adds features to </a:t>
+            </a:r>
+            <a:r>
+              <a:rPr lang="en-US" sz="1200" b="0" i="0" u="none" strike="noStrike" kern="1200" dirty="0">
+                <a:solidFill>
+                  <a:schemeClr val="tx1"/>
+                </a:solidFill>
+                <a:effectLst/>
+                <a:latin typeface="+mn-lt"/>
+                <a:ea typeface="+mn-ea"/>
+                <a:cs typeface="+mn-cs"/>
+                <a:hlinkClick r:id="rId3" tooltip="ECMAScript"/>
+              </a:rPr>
+              <a:t>ECMAScript</a:t>
+            </a:r>
+            <a:r>
+              <a:rPr lang="en-US" sz="1200" b="0" i="0" kern="1200">
+                <a:solidFill>
+                  <a:schemeClr val="tx1"/>
+                </a:solidFill>
+                <a:effectLst/>
+                <a:latin typeface="+mn-lt"/>
+                <a:ea typeface="+mn-ea"/>
+                <a:cs typeface="+mn-cs"/>
+              </a:rPr>
+              <a:t> 6.</a:t>
+            </a:r>
+            <a:r>
+              <a:rPr lang="en-US"/>
+              <a:t>)</a:t>
+            </a:r>
             <a:endParaRPr lang="en-US" dirty="0"/>
           </a:p>
           <a:p>
             <a:pPr algn="l" rtl="0"/>
+            <a:endParaRPr lang="en-US" dirty="0"/>
+          </a:p>
+          <a:p>
+            <a:pPr algn="l" rtl="0"/>
             <a:r>
               <a:rPr lang="en-US" sz="1200" b="0" i="0" kern="1200" dirty="0">
                 <a:solidFill>
@@ -880,7 +929,7 @@
                 <a:latin typeface="+mn-lt"/>
                 <a:ea typeface="+mn-ea"/>
                 <a:cs typeface="+mn-cs"/>
-                <a:hlinkClick r:id="rId3"/>
+                <a:hlinkClick r:id="rId4"/>
               </a:rPr>
               <a:t>https://github.com/Microsoft/TypeScript</a:t>
             </a:r>
@@ -1325,7 +1374,7 @@
                 <a:latin typeface="+mn-lt"/>
                 <a:ea typeface="+mn-ea"/>
                 <a:cs typeface="+mn-cs"/>
-                <a:hlinkClick r:id="rId4"/>
+                <a:hlinkClick r:id="rId5"/>
               </a:rPr>
               <a:t>Nest - A progressive Node.js web framework</a:t>
             </a:r>
@@ -1380,7 +1429,7 @@
                 <a:latin typeface="+mn-lt"/>
                 <a:ea typeface="+mn-ea"/>
                 <a:cs typeface="+mn-cs"/>
-                <a:hlinkClick r:id="rId5"/>
+                <a:hlinkClick r:id="rId6"/>
               </a:rPr>
               <a:t>React &amp; Webpack · TypeScript</a:t>
             </a:r>
@@ -9908,7 +9957,7 @@
           <a:p>
             <a:fld id="{F472E424-CC75-4448-A1B5-6FCA6BFEE599}" type="datetimeFigureOut">
               <a:rPr lang="he-IL" smtClean="0"/>
-              <a:t>ד'/אלול/תשע"ט</a:t>
+              <a:t>ח'/אלול/תשע"ט</a:t>
             </a:fld>
             <a:endParaRPr lang="he-IL"/>
           </a:p>
@@ -10076,7 +10125,7 @@
           <a:p>
             <a:fld id="{F472E424-CC75-4448-A1B5-6FCA6BFEE599}" type="datetimeFigureOut">
               <a:rPr lang="he-IL" smtClean="0"/>
-              <a:t>ד'/אלול/תשע"ט</a:t>
+              <a:t>ח'/אלול/תשע"ט</a:t>
             </a:fld>
             <a:endParaRPr lang="he-IL"/>
           </a:p>
@@ -10254,7 +10303,7 @@
           <a:p>
             <a:fld id="{F472E424-CC75-4448-A1B5-6FCA6BFEE599}" type="datetimeFigureOut">
               <a:rPr lang="he-IL" smtClean="0"/>
-              <a:t>ד'/אלול/תשע"ט</a:t>
+              <a:t>ח'/אלול/תשע"ט</a:t>
             </a:fld>
             <a:endParaRPr lang="he-IL"/>
           </a:p>
@@ -10638,7 +10687,7 @@
           <a:p>
             <a:fld id="{F472E424-CC75-4448-A1B5-6FCA6BFEE599}" type="datetimeFigureOut">
               <a:rPr lang="he-IL" smtClean="0"/>
-              <a:t>ד'/אלול/תשע"ט</a:t>
+              <a:t>ח'/אלול/תשע"ט</a:t>
             </a:fld>
             <a:endParaRPr lang="he-IL"/>
           </a:p>
@@ -10883,7 +10932,7 @@
           <a:p>
             <a:fld id="{F472E424-CC75-4448-A1B5-6FCA6BFEE599}" type="datetimeFigureOut">
               <a:rPr lang="he-IL" smtClean="0"/>
-              <a:t>ד'/אלול/תשע"ט</a:t>
+              <a:t>ח'/אלול/תשע"ט</a:t>
             </a:fld>
             <a:endParaRPr lang="he-IL"/>
           </a:p>
@@ -11112,7 +11161,7 @@
           <a:p>
             <a:fld id="{F472E424-CC75-4448-A1B5-6FCA6BFEE599}" type="datetimeFigureOut">
               <a:rPr lang="he-IL" smtClean="0"/>
-              <a:t>ד'/אלול/תשע"ט</a:t>
+              <a:t>ח'/אלול/תשע"ט</a:t>
             </a:fld>
             <a:endParaRPr lang="he-IL"/>
           </a:p>
@@ -11476,7 +11525,7 @@
           <a:p>
             <a:fld id="{F472E424-CC75-4448-A1B5-6FCA6BFEE599}" type="datetimeFigureOut">
               <a:rPr lang="he-IL" smtClean="0"/>
-              <a:t>ד'/אלול/תשע"ט</a:t>
+              <a:t>ח'/אלול/תשע"ט</a:t>
             </a:fld>
             <a:endParaRPr lang="he-IL"/>
           </a:p>
@@ -11593,7 +11642,7 @@
           <a:p>
             <a:fld id="{F472E424-CC75-4448-A1B5-6FCA6BFEE599}" type="datetimeFigureOut">
               <a:rPr lang="he-IL" smtClean="0"/>
-              <a:t>ד'/אלול/תשע"ט</a:t>
+              <a:t>ח'/אלול/תשע"ט</a:t>
             </a:fld>
             <a:endParaRPr lang="he-IL"/>
           </a:p>
@@ -11688,7 +11737,7 @@
           <a:p>
             <a:fld id="{F472E424-CC75-4448-A1B5-6FCA6BFEE599}" type="datetimeFigureOut">
               <a:rPr lang="he-IL" smtClean="0"/>
-              <a:t>ד'/אלול/תשע"ט</a:t>
+              <a:t>ח'/אלול/תשע"ט</a:t>
             </a:fld>
             <a:endParaRPr lang="he-IL"/>
           </a:p>
@@ -11963,7 +12012,7 @@
           <a:p>
             <a:fld id="{F472E424-CC75-4448-A1B5-6FCA6BFEE599}" type="datetimeFigureOut">
               <a:rPr lang="he-IL" smtClean="0"/>
-              <a:t>ד'/אלול/תשע"ט</a:t>
+              <a:t>ח'/אלול/תשע"ט</a:t>
             </a:fld>
             <a:endParaRPr lang="he-IL"/>
           </a:p>
@@ -12215,7 +12264,7 @@
           <a:p>
             <a:fld id="{F472E424-CC75-4448-A1B5-6FCA6BFEE599}" type="datetimeFigureOut">
               <a:rPr lang="he-IL" smtClean="0"/>
-              <a:t>ד'/אלול/תשע"ט</a:t>
+              <a:t>ח'/אלול/תשע"ט</a:t>
             </a:fld>
             <a:endParaRPr lang="he-IL"/>
           </a:p>
@@ -12426,7 +12475,7 @@
           <a:p>
             <a:fld id="{F472E424-CC75-4448-A1B5-6FCA6BFEE599}" type="datetimeFigureOut">
               <a:rPr lang="he-IL" smtClean="0"/>
-              <a:t>ד'/אלול/תשע"ט</a:t>
+              <a:t>ח'/אלול/תשע"ט</a:t>
             </a:fld>
             <a:endParaRPr lang="he-IL"/>
           </a:p>

--- a/presentations/chapter-0/Practical Web Dev.pptx
+++ b/presentations/chapter-0/Practical Web Dev.pptx
@@ -159,9 +159,6 @@
             <p14:sldId id="388"/>
           </p14:sldIdLst>
         </p14:section>
-        <p14:section name="Untitled Section" id="{C1D0E545-2C7D-473A-832A-0A18554C7EAE}">
-          <p14:sldIdLst/>
-        </p14:section>
       </p14:sectionLst>
     </p:ext>
     <p:ext uri="{EFAFB233-063F-42B5-8137-9DF3F51BA10A}">
@@ -264,7 +261,7 @@
           <a:p>
             <a:fld id="{B53C1D94-E0DD-4250-8C1B-3D8C3DA9B2B6}" type="datetimeFigureOut">
               <a:rPr lang="he-IL" smtClean="0"/>
-              <a:t>ח'/אלול/תשע"ט</a:t>
+              <a:t>ט"ו/אלול/תשע"ט</a:t>
             </a:fld>
             <a:endParaRPr lang="he-IL"/>
           </a:p>
@@ -9957,7 +9954,7 @@
           <a:p>
             <a:fld id="{F472E424-CC75-4448-A1B5-6FCA6BFEE599}" type="datetimeFigureOut">
               <a:rPr lang="he-IL" smtClean="0"/>
-              <a:t>ח'/אלול/תשע"ט</a:t>
+              <a:t>ט"ו/אלול/תשע"ט</a:t>
             </a:fld>
             <a:endParaRPr lang="he-IL"/>
           </a:p>
@@ -10125,7 +10122,7 @@
           <a:p>
             <a:fld id="{F472E424-CC75-4448-A1B5-6FCA6BFEE599}" type="datetimeFigureOut">
               <a:rPr lang="he-IL" smtClean="0"/>
-              <a:t>ח'/אלול/תשע"ט</a:t>
+              <a:t>ט"ו/אלול/תשע"ט</a:t>
             </a:fld>
             <a:endParaRPr lang="he-IL"/>
           </a:p>
@@ -10303,7 +10300,7 @@
           <a:p>
             <a:fld id="{F472E424-CC75-4448-A1B5-6FCA6BFEE599}" type="datetimeFigureOut">
               <a:rPr lang="he-IL" smtClean="0"/>
-              <a:t>ח'/אלול/תשע"ט</a:t>
+              <a:t>ט"ו/אלול/תשע"ט</a:t>
             </a:fld>
             <a:endParaRPr lang="he-IL"/>
           </a:p>
@@ -10687,7 +10684,7 @@
           <a:p>
             <a:fld id="{F472E424-CC75-4448-A1B5-6FCA6BFEE599}" type="datetimeFigureOut">
               <a:rPr lang="he-IL" smtClean="0"/>
-              <a:t>ח'/אלול/תשע"ט</a:t>
+              <a:t>ט"ו/אלול/תשע"ט</a:t>
             </a:fld>
             <a:endParaRPr lang="he-IL"/>
           </a:p>
@@ -10932,7 +10929,7 @@
           <a:p>
             <a:fld id="{F472E424-CC75-4448-A1B5-6FCA6BFEE599}" type="datetimeFigureOut">
               <a:rPr lang="he-IL" smtClean="0"/>
-              <a:t>ח'/אלול/תשע"ט</a:t>
+              <a:t>ט"ו/אלול/תשע"ט</a:t>
             </a:fld>
             <a:endParaRPr lang="he-IL"/>
           </a:p>
@@ -11161,7 +11158,7 @@
           <a:p>
             <a:fld id="{F472E424-CC75-4448-A1B5-6FCA6BFEE599}" type="datetimeFigureOut">
               <a:rPr lang="he-IL" smtClean="0"/>
-              <a:t>ח'/אלול/תשע"ט</a:t>
+              <a:t>ט"ו/אלול/תשע"ט</a:t>
             </a:fld>
             <a:endParaRPr lang="he-IL"/>
           </a:p>
@@ -11525,7 +11522,7 @@
           <a:p>
             <a:fld id="{F472E424-CC75-4448-A1B5-6FCA6BFEE599}" type="datetimeFigureOut">
               <a:rPr lang="he-IL" smtClean="0"/>
-              <a:t>ח'/אלול/תשע"ט</a:t>
+              <a:t>ט"ו/אלול/תשע"ט</a:t>
             </a:fld>
             <a:endParaRPr lang="he-IL"/>
           </a:p>
@@ -11642,7 +11639,7 @@
           <a:p>
             <a:fld id="{F472E424-CC75-4448-A1B5-6FCA6BFEE599}" type="datetimeFigureOut">
               <a:rPr lang="he-IL" smtClean="0"/>
-              <a:t>ח'/אלול/תשע"ט</a:t>
+              <a:t>ט"ו/אלול/תשע"ט</a:t>
             </a:fld>
             <a:endParaRPr lang="he-IL"/>
           </a:p>
@@ -11737,7 +11734,7 @@
           <a:p>
             <a:fld id="{F472E424-CC75-4448-A1B5-6FCA6BFEE599}" type="datetimeFigureOut">
               <a:rPr lang="he-IL" smtClean="0"/>
-              <a:t>ח'/אלול/תשע"ט</a:t>
+              <a:t>ט"ו/אלול/תשע"ט</a:t>
             </a:fld>
             <a:endParaRPr lang="he-IL"/>
           </a:p>
@@ -12012,7 +12009,7 @@
           <a:p>
             <a:fld id="{F472E424-CC75-4448-A1B5-6FCA6BFEE599}" type="datetimeFigureOut">
               <a:rPr lang="he-IL" smtClean="0"/>
-              <a:t>ח'/אלול/תשע"ט</a:t>
+              <a:t>ט"ו/אלול/תשע"ט</a:t>
             </a:fld>
             <a:endParaRPr lang="he-IL"/>
           </a:p>
@@ -12264,7 +12261,7 @@
           <a:p>
             <a:fld id="{F472E424-CC75-4448-A1B5-6FCA6BFEE599}" type="datetimeFigureOut">
               <a:rPr lang="he-IL" smtClean="0"/>
-              <a:t>ח'/אלול/תשע"ט</a:t>
+              <a:t>ט"ו/אלול/תשע"ט</a:t>
             </a:fld>
             <a:endParaRPr lang="he-IL"/>
           </a:p>
@@ -12475,7 +12472,7 @@
           <a:p>
             <a:fld id="{F472E424-CC75-4448-A1B5-6FCA6BFEE599}" type="datetimeFigureOut">
               <a:rPr lang="he-IL" smtClean="0"/>
-              <a:t>ח'/אלול/תשע"ט</a:t>
+              <a:t>ט"ו/אלול/תשע"ט</a:t>
             </a:fld>
             <a:endParaRPr lang="he-IL"/>
           </a:p>

--- a/presentations/chapter-0/Practical Web Dev.pptx
+++ b/presentations/chapter-0/Practical Web Dev.pptx
@@ -261,7 +261,7 @@
           <a:p>
             <a:fld id="{B53C1D94-E0DD-4250-8C1B-3D8C3DA9B2B6}" type="datetimeFigureOut">
               <a:rPr lang="he-IL" smtClean="0"/>
-              <a:t>ט"ו/אלול/תשע"ט</a:t>
+              <a:t>ט'/כסלו/תשפ"א</a:t>
             </a:fld>
             <a:endParaRPr lang="he-IL"/>
           </a:p>
@@ -3032,6 +3032,93 @@
               <a:buFontTx/>
               <a:buChar char="-"/>
             </a:pPr>
+            <a:r>
+              <a:rPr lang="en-US" sz="1200" b="0" i="0" kern="1200" dirty="0">
+                <a:solidFill>
+                  <a:schemeClr val="tx1"/>
+                </a:solidFill>
+                <a:effectLst/>
+                <a:latin typeface="+mn-lt"/>
+                <a:ea typeface="+mn-ea"/>
+                <a:cs typeface="+mn-cs"/>
+              </a:rPr>
+              <a:t>webpack vs rollup</a:t>
+            </a:r>
+          </a:p>
+          <a:p>
+            <a:pPr marL="171450" indent="-171450" algn="l" rtl="0">
+              <a:buFontTx/>
+              <a:buChar char="-"/>
+            </a:pPr>
+            <a:r>
+              <a:rPr lang="en-US" sz="1200" b="0" i="0" kern="1200" dirty="0">
+                <a:solidFill>
+                  <a:schemeClr val="tx1"/>
+                </a:solidFill>
+                <a:effectLst/>
+                <a:latin typeface="+mn-lt"/>
+                <a:ea typeface="+mn-ea"/>
+                <a:cs typeface="+mn-cs"/>
+              </a:rPr>
+              <a:t>https://medium.com/js-imaginea/comparing-bundlers-webpack-rollup-parcel-f8f5dc609cfd</a:t>
+            </a:r>
+          </a:p>
+          <a:p>
+            <a:pPr marL="171450" indent="-171450" algn="l" rtl="0">
+              <a:buFontTx/>
+              <a:buChar char="-"/>
+            </a:pPr>
+            <a:r>
+              <a:rPr lang="en-US" sz="1200" b="0" i="0" kern="1200" dirty="0">
+                <a:solidFill>
+                  <a:schemeClr val="tx1"/>
+                </a:solidFill>
+                <a:effectLst/>
+                <a:latin typeface="+mn-lt"/>
+                <a:ea typeface="+mn-ea"/>
+                <a:cs typeface="+mn-cs"/>
+              </a:rPr>
+              <a:t>https://blog.logrocket.com/benchmarking-bundlers-2020-rollup-parcel-webpack/</a:t>
+            </a:r>
+          </a:p>
+          <a:p>
+            <a:pPr marL="171450" indent="-171450" algn="l" rtl="0">
+              <a:buFontTx/>
+              <a:buChar char="-"/>
+            </a:pPr>
+            <a:r>
+              <a:rPr lang="en-US" sz="1200" b="0" i="0" kern="1200" dirty="0">
+                <a:solidFill>
+                  <a:schemeClr val="tx1"/>
+                </a:solidFill>
+                <a:effectLst/>
+                <a:latin typeface="+mn-lt"/>
+                <a:ea typeface="+mn-ea"/>
+                <a:cs typeface="+mn-cs"/>
+              </a:rPr>
+              <a:t>https://webpack.js.org/comparison/</a:t>
+            </a:r>
+          </a:p>
+          <a:p>
+            <a:pPr marL="171450" indent="-171450" algn="l" rtl="0">
+              <a:buFontTx/>
+              <a:buChar char="-"/>
+            </a:pPr>
+            <a:endParaRPr lang="en-US" sz="1200" b="0" i="0" kern="1200" dirty="0">
+              <a:solidFill>
+                <a:schemeClr val="tx1"/>
+              </a:solidFill>
+              <a:effectLst/>
+              <a:latin typeface="+mn-lt"/>
+              <a:ea typeface="+mn-ea"/>
+              <a:cs typeface="+mn-cs"/>
+            </a:endParaRPr>
+          </a:p>
+          <a:p>
+            <a:pPr marL="171450" indent="-171450" algn="l" rtl="0">
+              <a:buFontTx/>
+              <a:buChar char="-"/>
+            </a:pPr>
             <a:endParaRPr lang="en-US" sz="1200" b="0" i="0" kern="1200" dirty="0">
               <a:solidFill>
                 <a:schemeClr val="tx1"/>
@@ -9954,7 +10041,7 @@
           <a:p>
             <a:fld id="{F472E424-CC75-4448-A1B5-6FCA6BFEE599}" type="datetimeFigureOut">
               <a:rPr lang="he-IL" smtClean="0"/>
-              <a:t>ט"ו/אלול/תשע"ט</a:t>
+              <a:t>ט'/כסלו/תשפ"א</a:t>
             </a:fld>
             <a:endParaRPr lang="he-IL"/>
           </a:p>
@@ -10122,7 +10209,7 @@
           <a:p>
             <a:fld id="{F472E424-CC75-4448-A1B5-6FCA6BFEE599}" type="datetimeFigureOut">
               <a:rPr lang="he-IL" smtClean="0"/>
-              <a:t>ט"ו/אלול/תשע"ט</a:t>
+              <a:t>ט'/כסלו/תשפ"א</a:t>
             </a:fld>
             <a:endParaRPr lang="he-IL"/>
           </a:p>
@@ -10300,7 +10387,7 @@
           <a:p>
             <a:fld id="{F472E424-CC75-4448-A1B5-6FCA6BFEE599}" type="datetimeFigureOut">
               <a:rPr lang="he-IL" smtClean="0"/>
-              <a:t>ט"ו/אלול/תשע"ט</a:t>
+              <a:t>ט'/כסלו/תשפ"א</a:t>
             </a:fld>
             <a:endParaRPr lang="he-IL"/>
           </a:p>
@@ -10684,7 +10771,7 @@
           <a:p>
             <a:fld id="{F472E424-CC75-4448-A1B5-6FCA6BFEE599}" type="datetimeFigureOut">
               <a:rPr lang="he-IL" smtClean="0"/>
-              <a:t>ט"ו/אלול/תשע"ט</a:t>
+              <a:t>ט'/כסלו/תשפ"א</a:t>
             </a:fld>
             <a:endParaRPr lang="he-IL"/>
           </a:p>
@@ -10929,7 +11016,7 @@
           <a:p>
             <a:fld id="{F472E424-CC75-4448-A1B5-6FCA6BFEE599}" type="datetimeFigureOut">
               <a:rPr lang="he-IL" smtClean="0"/>
-              <a:t>ט"ו/אלול/תשע"ט</a:t>
+              <a:t>ט'/כסלו/תשפ"א</a:t>
             </a:fld>
             <a:endParaRPr lang="he-IL"/>
           </a:p>
@@ -11158,7 +11245,7 @@
           <a:p>
             <a:fld id="{F472E424-CC75-4448-A1B5-6FCA6BFEE599}" type="datetimeFigureOut">
               <a:rPr lang="he-IL" smtClean="0"/>
-              <a:t>ט"ו/אלול/תשע"ט</a:t>
+              <a:t>ט'/כסלו/תשפ"א</a:t>
             </a:fld>
             <a:endParaRPr lang="he-IL"/>
           </a:p>
@@ -11522,7 +11609,7 @@
           <a:p>
             <a:fld id="{F472E424-CC75-4448-A1B5-6FCA6BFEE599}" type="datetimeFigureOut">
               <a:rPr lang="he-IL" smtClean="0"/>
-              <a:t>ט"ו/אלול/תשע"ט</a:t>
+              <a:t>ט'/כסלו/תשפ"א</a:t>
             </a:fld>
             <a:endParaRPr lang="he-IL"/>
           </a:p>
@@ -11639,7 +11726,7 @@
           <a:p>
             <a:fld id="{F472E424-CC75-4448-A1B5-6FCA6BFEE599}" type="datetimeFigureOut">
               <a:rPr lang="he-IL" smtClean="0"/>
-              <a:t>ט"ו/אלול/תשע"ט</a:t>
+              <a:t>ט'/כסלו/תשפ"א</a:t>
             </a:fld>
             <a:endParaRPr lang="he-IL"/>
           </a:p>
@@ -11734,7 +11821,7 @@
           <a:p>
             <a:fld id="{F472E424-CC75-4448-A1B5-6FCA6BFEE599}" type="datetimeFigureOut">
               <a:rPr lang="he-IL" smtClean="0"/>
-              <a:t>ט"ו/אלול/תשע"ט</a:t>
+              <a:t>ט'/כסלו/תשפ"א</a:t>
             </a:fld>
             <a:endParaRPr lang="he-IL"/>
           </a:p>
@@ -12009,7 +12096,7 @@
           <a:p>
             <a:fld id="{F472E424-CC75-4448-A1B5-6FCA6BFEE599}" type="datetimeFigureOut">
               <a:rPr lang="he-IL" smtClean="0"/>
-              <a:t>ט"ו/אלול/תשע"ט</a:t>
+              <a:t>ט'/כסלו/תשפ"א</a:t>
             </a:fld>
             <a:endParaRPr lang="he-IL"/>
           </a:p>
@@ -12261,7 +12348,7 @@
           <a:p>
             <a:fld id="{F472E424-CC75-4448-A1B5-6FCA6BFEE599}" type="datetimeFigureOut">
               <a:rPr lang="he-IL" smtClean="0"/>
-              <a:t>ט"ו/אלול/תשע"ט</a:t>
+              <a:t>ט'/כסלו/תשפ"א</a:t>
             </a:fld>
             <a:endParaRPr lang="he-IL"/>
           </a:p>
@@ -12472,7 +12559,7 @@
           <a:p>
             <a:fld id="{F472E424-CC75-4448-A1B5-6FCA6BFEE599}" type="datetimeFigureOut">
               <a:rPr lang="he-IL" smtClean="0"/>
-              <a:t>ט"ו/אלול/תשע"ט</a:t>
+              <a:t>ט'/כסלו/תשפ"א</a:t>
             </a:fld>
             <a:endParaRPr lang="he-IL"/>
           </a:p>
